--- a/Recursos/ArtesParaGithub.pptx
+++ b/Recursos/ArtesParaGithub.pptx
@@ -12,6 +12,7 @@
     <p:sldId id="260" r:id="rId6"/>
     <p:sldId id="261" r:id="rId7"/>
     <p:sldId id="262" r:id="rId8"/>
+    <p:sldId id="263" r:id="rId9"/>
   </p:sldIdLst>
   <p:sldSz cx="12192000" cy="6096000"/>
   <p:notesSz cx="6858000" cy="9144000"/>
@@ -110,6 +111,11 @@
       </a:defRPr>
     </a:lvl9pPr>
   </p:defaultTextStyle>
+  <p:extLst>
+    <p:ext uri="{EFAFB233-063F-42B5-8137-9DF3F51BA10A}">
+      <p15:sldGuideLst xmlns:p15="http://schemas.microsoft.com/office/powerpoint/2012/main"/>
+    </p:ext>
+  </p:extLst>
 </p:presentation>
 </file>
 
@@ -244,7 +250,7 @@
           <a:p>
             <a:fld id="{8C4A37BB-ACED-4F18-8016-5A486A468CFD}" type="datetimeFigureOut">
               <a:rPr lang="pt-BR" smtClean="0"/>
-              <a:t>03/10/2021</a:t>
+              <a:t>30/07/2023</a:t>
             </a:fld>
             <a:endParaRPr lang="pt-BR"/>
           </a:p>
@@ -414,7 +420,7 @@
           <a:p>
             <a:fld id="{8C4A37BB-ACED-4F18-8016-5A486A468CFD}" type="datetimeFigureOut">
               <a:rPr lang="pt-BR" smtClean="0"/>
-              <a:t>03/10/2021</a:t>
+              <a:t>30/07/2023</a:t>
             </a:fld>
             <a:endParaRPr lang="pt-BR"/>
           </a:p>
@@ -594,7 +600,7 @@
           <a:p>
             <a:fld id="{8C4A37BB-ACED-4F18-8016-5A486A468CFD}" type="datetimeFigureOut">
               <a:rPr lang="pt-BR" smtClean="0"/>
-              <a:t>03/10/2021</a:t>
+              <a:t>30/07/2023</a:t>
             </a:fld>
             <a:endParaRPr lang="pt-BR"/>
           </a:p>
@@ -764,7 +770,7 @@
           <a:p>
             <a:fld id="{8C4A37BB-ACED-4F18-8016-5A486A468CFD}" type="datetimeFigureOut">
               <a:rPr lang="pt-BR" smtClean="0"/>
-              <a:t>03/10/2021</a:t>
+              <a:t>30/07/2023</a:t>
             </a:fld>
             <a:endParaRPr lang="pt-BR"/>
           </a:p>
@@ -1010,7 +1016,7 @@
           <a:p>
             <a:fld id="{8C4A37BB-ACED-4F18-8016-5A486A468CFD}" type="datetimeFigureOut">
               <a:rPr lang="pt-BR" smtClean="0"/>
-              <a:t>03/10/2021</a:t>
+              <a:t>30/07/2023</a:t>
             </a:fld>
             <a:endParaRPr lang="pt-BR"/>
           </a:p>
@@ -1242,7 +1248,7 @@
           <a:p>
             <a:fld id="{8C4A37BB-ACED-4F18-8016-5A486A468CFD}" type="datetimeFigureOut">
               <a:rPr lang="pt-BR" smtClean="0"/>
-              <a:t>03/10/2021</a:t>
+              <a:t>30/07/2023</a:t>
             </a:fld>
             <a:endParaRPr lang="pt-BR"/>
           </a:p>
@@ -1609,7 +1615,7 @@
           <a:p>
             <a:fld id="{8C4A37BB-ACED-4F18-8016-5A486A468CFD}" type="datetimeFigureOut">
               <a:rPr lang="pt-BR" smtClean="0"/>
-              <a:t>03/10/2021</a:t>
+              <a:t>30/07/2023</a:t>
             </a:fld>
             <a:endParaRPr lang="pt-BR"/>
           </a:p>
@@ -1727,7 +1733,7 @@
           <a:p>
             <a:fld id="{8C4A37BB-ACED-4F18-8016-5A486A468CFD}" type="datetimeFigureOut">
               <a:rPr lang="pt-BR" smtClean="0"/>
-              <a:t>03/10/2021</a:t>
+              <a:t>30/07/2023</a:t>
             </a:fld>
             <a:endParaRPr lang="pt-BR"/>
           </a:p>
@@ -1822,7 +1828,7 @@
           <a:p>
             <a:fld id="{8C4A37BB-ACED-4F18-8016-5A486A468CFD}" type="datetimeFigureOut">
               <a:rPr lang="pt-BR" smtClean="0"/>
-              <a:t>03/10/2021</a:t>
+              <a:t>30/07/2023</a:t>
             </a:fld>
             <a:endParaRPr lang="pt-BR"/>
           </a:p>
@@ -2099,7 +2105,7 @@
           <a:p>
             <a:fld id="{8C4A37BB-ACED-4F18-8016-5A486A468CFD}" type="datetimeFigureOut">
               <a:rPr lang="pt-BR" smtClean="0"/>
-              <a:t>03/10/2021</a:t>
+              <a:t>30/07/2023</a:t>
             </a:fld>
             <a:endParaRPr lang="pt-BR"/>
           </a:p>
@@ -2356,7 +2362,7 @@
           <a:p>
             <a:fld id="{8C4A37BB-ACED-4F18-8016-5A486A468CFD}" type="datetimeFigureOut">
               <a:rPr lang="pt-BR" smtClean="0"/>
-              <a:t>03/10/2021</a:t>
+              <a:t>30/07/2023</a:t>
             </a:fld>
             <a:endParaRPr lang="pt-BR"/>
           </a:p>
@@ -2569,7 +2575,7 @@
           <a:p>
             <a:fld id="{8C4A37BB-ACED-4F18-8016-5A486A468CFD}" type="datetimeFigureOut">
               <a:rPr lang="pt-BR" smtClean="0"/>
-              <a:t>03/10/2021</a:t>
+              <a:t>30/07/2023</a:t>
             </a:fld>
             <a:endParaRPr lang="pt-BR"/>
           </a:p>
@@ -6199,6 +6205,581 @@
 </p:sld>
 </file>
 
+<file path=ppt/slides/slide8.xml><?xml version="1.0" encoding="utf-8"?>
+<p:sld xmlns:a="http://schemas.openxmlformats.org/drawingml/2006/main" xmlns:r="http://schemas.openxmlformats.org/officeDocument/2006/relationships" xmlns:p="http://schemas.openxmlformats.org/presentationml/2006/main">
+  <p:cSld>
+    <p:spTree>
+      <p:nvGrpSpPr>
+        <p:cNvPr id="1" name=""/>
+        <p:cNvGrpSpPr/>
+        <p:nvPr/>
+      </p:nvGrpSpPr>
+      <p:grpSpPr>
+        <a:xfrm>
+          <a:off x="0" y="0"/>
+          <a:ext cx="0" cy="0"/>
+          <a:chOff x="0" y="0"/>
+          <a:chExt cx="0" cy="0"/>
+        </a:xfrm>
+      </p:grpSpPr>
+      <p:sp>
+        <p:nvSpPr>
+          <p:cNvPr id="5" name="Retângulo 4">
+            <a:extLst>
+              <a:ext uri="{FF2B5EF4-FFF2-40B4-BE49-F238E27FC236}">
+                <a16:creationId xmlns:a16="http://schemas.microsoft.com/office/drawing/2014/main" id="{661F2F89-C5E8-4C31-9632-532EC9E2D706}"/>
+              </a:ext>
+            </a:extLst>
+          </p:cNvPr>
+          <p:cNvSpPr/>
+          <p:nvPr/>
+        </p:nvSpPr>
+        <p:spPr>
+          <a:xfrm>
+            <a:off x="0" y="0"/>
+            <a:ext cx="12192000" cy="507968"/>
+          </a:xfrm>
+          <a:prstGeom prst="rect">
+            <a:avLst/>
+          </a:prstGeom>
+        </p:spPr>
+        <p:style>
+          <a:lnRef idx="2">
+            <a:schemeClr val="accent1">
+              <a:shade val="50000"/>
+            </a:schemeClr>
+          </a:lnRef>
+          <a:fillRef idx="1">
+            <a:schemeClr val="accent1"/>
+          </a:fillRef>
+          <a:effectRef idx="0">
+            <a:schemeClr val="accent1"/>
+          </a:effectRef>
+          <a:fontRef idx="minor">
+            <a:schemeClr val="lt1"/>
+          </a:fontRef>
+        </p:style>
+        <p:txBody>
+          <a:bodyPr rtlCol="0" anchor="ctr"/>
+          <a:lstStyle/>
+          <a:p>
+            <a:pPr algn="ctr"/>
+            <a:endParaRPr lang="pt-BR"/>
+          </a:p>
+        </p:txBody>
+      </p:sp>
+      <p:sp>
+        <p:nvSpPr>
+          <p:cNvPr id="8" name="Retângulo 7">
+            <a:extLst>
+              <a:ext uri="{FF2B5EF4-FFF2-40B4-BE49-F238E27FC236}">
+                <a16:creationId xmlns:a16="http://schemas.microsoft.com/office/drawing/2014/main" id="{0F0445AA-5908-42AB-8C62-111668BE3869}"/>
+              </a:ext>
+            </a:extLst>
+          </p:cNvPr>
+          <p:cNvSpPr/>
+          <p:nvPr/>
+        </p:nvSpPr>
+        <p:spPr>
+          <a:xfrm>
+            <a:off x="0" y="5588032"/>
+            <a:ext cx="12192000" cy="507968"/>
+          </a:xfrm>
+          <a:prstGeom prst="rect">
+            <a:avLst/>
+          </a:prstGeom>
+        </p:spPr>
+        <p:style>
+          <a:lnRef idx="2">
+            <a:schemeClr val="accent1">
+              <a:shade val="50000"/>
+            </a:schemeClr>
+          </a:lnRef>
+          <a:fillRef idx="1">
+            <a:schemeClr val="accent1"/>
+          </a:fillRef>
+          <a:effectRef idx="0">
+            <a:schemeClr val="accent1"/>
+          </a:effectRef>
+          <a:fontRef idx="minor">
+            <a:schemeClr val="lt1"/>
+          </a:fontRef>
+        </p:style>
+        <p:txBody>
+          <a:bodyPr rtlCol="0" anchor="ctr"/>
+          <a:lstStyle/>
+          <a:p>
+            <a:pPr algn="ctr"/>
+            <a:endParaRPr lang="pt-BR"/>
+          </a:p>
+        </p:txBody>
+      </p:sp>
+      <p:sp>
+        <p:nvSpPr>
+          <p:cNvPr id="6" name="Retângulo 5">
+            <a:extLst>
+              <a:ext uri="{FF2B5EF4-FFF2-40B4-BE49-F238E27FC236}">
+                <a16:creationId xmlns:a16="http://schemas.microsoft.com/office/drawing/2014/main" id="{08CA9967-C976-4287-ACA3-74117E9E949C}"/>
+              </a:ext>
+            </a:extLst>
+          </p:cNvPr>
+          <p:cNvSpPr/>
+          <p:nvPr/>
+        </p:nvSpPr>
+        <p:spPr>
+          <a:xfrm>
+            <a:off x="0" y="507968"/>
+            <a:ext cx="507600" cy="5080064"/>
+          </a:xfrm>
+          <a:prstGeom prst="rect">
+            <a:avLst/>
+          </a:prstGeom>
+        </p:spPr>
+        <p:style>
+          <a:lnRef idx="2">
+            <a:schemeClr val="accent1">
+              <a:shade val="50000"/>
+            </a:schemeClr>
+          </a:lnRef>
+          <a:fillRef idx="1">
+            <a:schemeClr val="accent1"/>
+          </a:fillRef>
+          <a:effectRef idx="0">
+            <a:schemeClr val="accent1"/>
+          </a:effectRef>
+          <a:fontRef idx="minor">
+            <a:schemeClr val="lt1"/>
+          </a:fontRef>
+        </p:style>
+        <p:txBody>
+          <a:bodyPr rtlCol="0" anchor="ctr"/>
+          <a:lstStyle/>
+          <a:p>
+            <a:pPr algn="ctr"/>
+            <a:endParaRPr lang="pt-BR"/>
+          </a:p>
+        </p:txBody>
+      </p:sp>
+      <p:sp>
+        <p:nvSpPr>
+          <p:cNvPr id="10" name="Retângulo 9">
+            <a:extLst>
+              <a:ext uri="{FF2B5EF4-FFF2-40B4-BE49-F238E27FC236}">
+                <a16:creationId xmlns:a16="http://schemas.microsoft.com/office/drawing/2014/main" id="{5249FA80-307A-48B4-90C7-78A98071074A}"/>
+              </a:ext>
+            </a:extLst>
+          </p:cNvPr>
+          <p:cNvSpPr/>
+          <p:nvPr/>
+        </p:nvSpPr>
+        <p:spPr>
+          <a:xfrm>
+            <a:off x="11684400" y="507968"/>
+            <a:ext cx="507600" cy="5080064"/>
+          </a:xfrm>
+          <a:prstGeom prst="rect">
+            <a:avLst/>
+          </a:prstGeom>
+        </p:spPr>
+        <p:style>
+          <a:lnRef idx="2">
+            <a:schemeClr val="accent1">
+              <a:shade val="50000"/>
+            </a:schemeClr>
+          </a:lnRef>
+          <a:fillRef idx="1">
+            <a:schemeClr val="accent1"/>
+          </a:fillRef>
+          <a:effectRef idx="0">
+            <a:schemeClr val="accent1"/>
+          </a:effectRef>
+          <a:fontRef idx="minor">
+            <a:schemeClr val="lt1"/>
+          </a:fontRef>
+        </p:style>
+        <p:txBody>
+          <a:bodyPr rtlCol="0" anchor="ctr"/>
+          <a:lstStyle/>
+          <a:p>
+            <a:pPr algn="ctr"/>
+            <a:endParaRPr lang="pt-BR"/>
+          </a:p>
+        </p:txBody>
+      </p:sp>
+      <p:sp>
+        <p:nvSpPr>
+          <p:cNvPr id="3" name="CaixaDeTexto 2">
+            <a:extLst>
+              <a:ext uri="{FF2B5EF4-FFF2-40B4-BE49-F238E27FC236}">
+                <a16:creationId xmlns:a16="http://schemas.microsoft.com/office/drawing/2014/main" id="{AF05234D-1668-4720-8D1F-2C1DCD625812}"/>
+              </a:ext>
+            </a:extLst>
+          </p:cNvPr>
+          <p:cNvSpPr txBox="1"/>
+          <p:nvPr/>
+        </p:nvSpPr>
+        <p:spPr>
+          <a:xfrm>
+            <a:off x="760943" y="3232712"/>
+            <a:ext cx="10709040" cy="1818703"/>
+          </a:xfrm>
+          <a:prstGeom prst="rect">
+            <a:avLst/>
+          </a:prstGeom>
+          <a:noFill/>
+        </p:spPr>
+        <p:txBody>
+          <a:bodyPr wrap="square" rtlCol="0">
+            <a:spAutoFit/>
+          </a:bodyPr>
+          <a:lstStyle/>
+          <a:p>
+            <a:pPr algn="ctr">
+              <a:lnSpc>
+                <a:spcPct val="150000"/>
+              </a:lnSpc>
+            </a:pPr>
+            <a:r>
+              <a:rPr lang="pt-BR" sz="2600" b="1" dirty="0">
+                <a:solidFill>
+                  <a:srgbClr val="757575"/>
+                </a:solidFill>
+                <a:latin typeface="Arial" panose="020B0604020202020204" pitchFamily="34" charset="0"/>
+                <a:cs typeface="Arial" panose="020B0604020202020204" pitchFamily="34" charset="0"/>
+              </a:rPr>
+              <a:t>Uma </a:t>
+            </a:r>
+            <a:r>
+              <a:rPr lang="pt-BR" sz="2600" b="1" dirty="0" err="1">
+                <a:solidFill>
+                  <a:srgbClr val="757575"/>
+                </a:solidFill>
+                <a:latin typeface="Arial" panose="020B0604020202020204" pitchFamily="34" charset="0"/>
+                <a:cs typeface="Arial" panose="020B0604020202020204" pitchFamily="34" charset="0"/>
+              </a:rPr>
+              <a:t>class</a:t>
+            </a:r>
+            <a:r>
+              <a:rPr lang="pt-BR" sz="2600" b="1" dirty="0">
+                <a:solidFill>
+                  <a:srgbClr val="757575"/>
+                </a:solidFill>
+                <a:latin typeface="Arial" panose="020B0604020202020204" pitchFamily="34" charset="0"/>
+                <a:cs typeface="Arial" panose="020B0604020202020204" pitchFamily="34" charset="0"/>
+              </a:rPr>
+              <a:t> </a:t>
+            </a:r>
+            <a:r>
+              <a:rPr lang="pt-BR" sz="2600" b="1" dirty="0" err="1">
+                <a:solidFill>
+                  <a:srgbClr val="757575"/>
+                </a:solidFill>
+                <a:latin typeface="Arial" panose="020B0604020202020204" pitchFamily="34" charset="0"/>
+                <a:cs typeface="Arial" panose="020B0604020202020204" pitchFamily="34" charset="0"/>
+              </a:rPr>
+              <a:t>library</a:t>
+            </a:r>
+            <a:r>
+              <a:rPr lang="pt-BR" sz="2600" b="1" dirty="0">
+                <a:solidFill>
+                  <a:srgbClr val="757575"/>
+                </a:solidFill>
+                <a:latin typeface="Arial" panose="020B0604020202020204" pitchFamily="34" charset="0"/>
+                <a:cs typeface="Arial" panose="020B0604020202020204" pitchFamily="34" charset="0"/>
+              </a:rPr>
+              <a:t> simples e prática para poder integrar os serviços do </a:t>
+            </a:r>
+            <a:r>
+              <a:rPr lang="pt-BR" sz="2600" b="1" dirty="0" err="1">
+                <a:solidFill>
+                  <a:srgbClr val="757575"/>
+                </a:solidFill>
+                <a:latin typeface="Arial" panose="020B0604020202020204" pitchFamily="34" charset="0"/>
+                <a:cs typeface="Arial" panose="020B0604020202020204" pitchFamily="34" charset="0"/>
+              </a:rPr>
+              <a:t>Firebase</a:t>
+            </a:r>
+            <a:r>
+              <a:rPr lang="pt-BR" sz="2600" b="1" dirty="0">
+                <a:solidFill>
+                  <a:srgbClr val="757575"/>
+                </a:solidFill>
+                <a:latin typeface="Arial" panose="020B0604020202020204" pitchFamily="34" charset="0"/>
+                <a:cs typeface="Arial" panose="020B0604020202020204" pitchFamily="34" charset="0"/>
+              </a:rPr>
+              <a:t> (</a:t>
+            </a:r>
+            <a:r>
+              <a:rPr lang="pt-BR" sz="2600" b="1" dirty="0" err="1">
+                <a:solidFill>
+                  <a:srgbClr val="757575"/>
+                </a:solidFill>
+                <a:latin typeface="Arial" panose="020B0604020202020204" pitchFamily="34" charset="0"/>
+                <a:cs typeface="Arial" panose="020B0604020202020204" pitchFamily="34" charset="0"/>
+              </a:rPr>
+              <a:t>Realtime</a:t>
+            </a:r>
+            <a:r>
+              <a:rPr lang="pt-BR" sz="2600" b="1" dirty="0">
+                <a:solidFill>
+                  <a:srgbClr val="757575"/>
+                </a:solidFill>
+                <a:latin typeface="Arial" panose="020B0604020202020204" pitchFamily="34" charset="0"/>
+                <a:cs typeface="Arial" panose="020B0604020202020204" pitchFamily="34" charset="0"/>
+              </a:rPr>
+              <a:t> </a:t>
+            </a:r>
+            <a:r>
+              <a:rPr lang="pt-BR" sz="2600" b="1" dirty="0" err="1">
+                <a:solidFill>
+                  <a:srgbClr val="757575"/>
+                </a:solidFill>
+                <a:latin typeface="Arial" panose="020B0604020202020204" pitchFamily="34" charset="0"/>
+                <a:cs typeface="Arial" panose="020B0604020202020204" pitchFamily="34" charset="0"/>
+              </a:rPr>
+              <a:t>Database</a:t>
+            </a:r>
+            <a:r>
+              <a:rPr lang="pt-BR" sz="2600" b="1" dirty="0">
+                <a:solidFill>
+                  <a:srgbClr val="757575"/>
+                </a:solidFill>
+                <a:latin typeface="Arial" panose="020B0604020202020204" pitchFamily="34" charset="0"/>
+                <a:cs typeface="Arial" panose="020B0604020202020204" pitchFamily="34" charset="0"/>
+              </a:rPr>
+              <a:t>, </a:t>
+            </a:r>
+            <a:r>
+              <a:rPr lang="pt-BR" sz="2600" b="1" dirty="0" err="1">
+                <a:solidFill>
+                  <a:srgbClr val="757575"/>
+                </a:solidFill>
+                <a:latin typeface="Arial" panose="020B0604020202020204" pitchFamily="34" charset="0"/>
+                <a:cs typeface="Arial" panose="020B0604020202020204" pitchFamily="34" charset="0"/>
+              </a:rPr>
+              <a:t>Firestore</a:t>
+            </a:r>
+            <a:r>
+              <a:rPr lang="pt-BR" sz="2600" b="1" dirty="0">
+                <a:solidFill>
+                  <a:srgbClr val="757575"/>
+                </a:solidFill>
+                <a:latin typeface="Arial" panose="020B0604020202020204" pitchFamily="34" charset="0"/>
+                <a:cs typeface="Arial" panose="020B0604020202020204" pitchFamily="34" charset="0"/>
+              </a:rPr>
+              <a:t>, </a:t>
+            </a:r>
+            <a:r>
+              <a:rPr lang="pt-BR" sz="2600" b="1" dirty="0" err="1">
+                <a:solidFill>
+                  <a:srgbClr val="757575"/>
+                </a:solidFill>
+                <a:latin typeface="Arial" panose="020B0604020202020204" pitchFamily="34" charset="0"/>
+                <a:cs typeface="Arial" panose="020B0604020202020204" pitchFamily="34" charset="0"/>
+              </a:rPr>
+              <a:t>Authentication</a:t>
+            </a:r>
+            <a:r>
+              <a:rPr lang="pt-BR" sz="2600" b="1" dirty="0">
+                <a:solidFill>
+                  <a:srgbClr val="757575"/>
+                </a:solidFill>
+                <a:latin typeface="Arial" panose="020B0604020202020204" pitchFamily="34" charset="0"/>
+                <a:cs typeface="Arial" panose="020B0604020202020204" pitchFamily="34" charset="0"/>
+              </a:rPr>
+              <a:t>, </a:t>
+            </a:r>
+            <a:r>
+              <a:rPr lang="pt-BR" sz="2600" b="1" dirty="0" err="1">
+                <a:solidFill>
+                  <a:srgbClr val="757575"/>
+                </a:solidFill>
+                <a:latin typeface="Arial" panose="020B0604020202020204" pitchFamily="34" charset="0"/>
+                <a:cs typeface="Arial" panose="020B0604020202020204" pitchFamily="34" charset="0"/>
+              </a:rPr>
+              <a:t>etc</a:t>
+            </a:r>
+            <a:r>
+              <a:rPr lang="pt-BR" sz="2600" b="1" dirty="0">
+                <a:solidFill>
+                  <a:srgbClr val="757575"/>
+                </a:solidFill>
+                <a:latin typeface="Arial" panose="020B0604020202020204" pitchFamily="34" charset="0"/>
+                <a:cs typeface="Arial" panose="020B0604020202020204" pitchFamily="34" charset="0"/>
+              </a:rPr>
+              <a:t>) a suas aplicações construídas em C Sharp.</a:t>
+            </a:r>
+          </a:p>
+        </p:txBody>
+      </p:sp>
+      <p:grpSp>
+        <p:nvGrpSpPr>
+          <p:cNvPr id="7" name="Agrupar 6">
+            <a:extLst>
+              <a:ext uri="{FF2B5EF4-FFF2-40B4-BE49-F238E27FC236}">
+                <a16:creationId xmlns:a16="http://schemas.microsoft.com/office/drawing/2014/main" id="{C84D452A-29E0-446E-A732-B52A1BF136A7}"/>
+              </a:ext>
+            </a:extLst>
+          </p:cNvPr>
+          <p:cNvGrpSpPr/>
+          <p:nvPr/>
+        </p:nvGrpSpPr>
+        <p:grpSpPr>
+          <a:xfrm>
+            <a:off x="1151646" y="638594"/>
+            <a:ext cx="9888708" cy="2646878"/>
+            <a:chOff x="1593150" y="543594"/>
+            <a:chExt cx="9888708" cy="2646878"/>
+          </a:xfrm>
+        </p:grpSpPr>
+        <p:pic>
+          <p:nvPicPr>
+            <p:cNvPr id="3074" name="Picture 2" descr="Ver a imagem de origem">
+              <a:extLst>
+                <a:ext uri="{FF2B5EF4-FFF2-40B4-BE49-F238E27FC236}">
+                  <a16:creationId xmlns:a16="http://schemas.microsoft.com/office/drawing/2014/main" id="{87F29987-BECC-4B08-8E6B-396934A22434}"/>
+                </a:ext>
+              </a:extLst>
+            </p:cNvPr>
+            <p:cNvPicPr>
+              <a:picLocks noChangeAspect="1" noChangeArrowheads="1"/>
+            </p:cNvPicPr>
+            <p:nvPr/>
+          </p:nvPicPr>
+          <p:blipFill>
+            <a:blip r:embed="rId2">
+              <a:extLst>
+                <a:ext uri="{28A0092B-C50C-407E-A947-70E740481C1C}">
+                  <a14:useLocalDpi xmlns:a14="http://schemas.microsoft.com/office/drawing/2010/main" val="0"/>
+                </a:ext>
+              </a:extLst>
+            </a:blip>
+            <a:srcRect/>
+            <a:stretch>
+              <a:fillRect/>
+            </a:stretch>
+          </p:blipFill>
+          <p:spPr bwMode="auto">
+            <a:xfrm>
+              <a:off x="1593150" y="638793"/>
+              <a:ext cx="8934450" cy="2514600"/>
+            </a:xfrm>
+            <a:prstGeom prst="rect">
+              <a:avLst/>
+            </a:prstGeom>
+            <a:noFill/>
+            <a:extLst>
+              <a:ext uri="{909E8E84-426E-40DD-AFC4-6F175D3DCCD1}">
+                <a14:hiddenFill xmlns:a14="http://schemas.microsoft.com/office/drawing/2010/main">
+                  <a:solidFill>
+                    <a:srgbClr val="FFFFFF"/>
+                  </a:solidFill>
+                </a14:hiddenFill>
+              </a:ext>
+            </a:extLst>
+          </p:spPr>
+        </p:pic>
+        <p:sp>
+          <p:nvSpPr>
+            <p:cNvPr id="2" name="CaixaDeTexto 1">
+              <a:extLst>
+                <a:ext uri="{FF2B5EF4-FFF2-40B4-BE49-F238E27FC236}">
+                  <a16:creationId xmlns:a16="http://schemas.microsoft.com/office/drawing/2014/main" id="{AEBF39D5-757B-46E9-9EFF-F7FA5B61F5D7}"/>
+                </a:ext>
+              </a:extLst>
+            </p:cNvPr>
+            <p:cNvSpPr txBox="1"/>
+            <p:nvPr/>
+          </p:nvSpPr>
+          <p:spPr>
+            <a:xfrm>
+              <a:off x="2850078" y="543594"/>
+              <a:ext cx="1364476" cy="2646878"/>
+            </a:xfrm>
+            <a:prstGeom prst="rect">
+              <a:avLst/>
+            </a:prstGeom>
+            <a:noFill/>
+          </p:spPr>
+          <p:txBody>
+            <a:bodyPr wrap="none" rtlCol="0">
+              <a:spAutoFit/>
+            </a:bodyPr>
+            <a:lstStyle/>
+            <a:p>
+              <a:r>
+                <a:rPr lang="pt-BR" sz="16600" dirty="0">
+                  <a:solidFill>
+                    <a:srgbClr val="DA242C"/>
+                  </a:solidFill>
+                  <a:latin typeface="Bauhaus 93" panose="04030905020B02020C02" pitchFamily="82" charset="0"/>
+                </a:rPr>
+                <a:t>e</a:t>
+              </a:r>
+            </a:p>
+          </p:txBody>
+        </p:sp>
+        <p:pic>
+          <p:nvPicPr>
+            <p:cNvPr id="1026" name="Picture 2">
+              <a:extLst>
+                <a:ext uri="{FF2B5EF4-FFF2-40B4-BE49-F238E27FC236}">
+                  <a16:creationId xmlns:a16="http://schemas.microsoft.com/office/drawing/2014/main" id="{815A7C71-2848-4CCF-B980-E22AE84D2787}"/>
+                </a:ext>
+              </a:extLst>
+            </p:cNvPr>
+            <p:cNvPicPr>
+              <a:picLocks noChangeAspect="1" noChangeArrowheads="1"/>
+            </p:cNvPicPr>
+            <p:nvPr/>
+          </p:nvPicPr>
+          <p:blipFill>
+            <a:blip r:embed="rId3">
+              <a:extLst>
+                <a:ext uri="{28A0092B-C50C-407E-A947-70E740481C1C}">
+                  <a14:useLocalDpi xmlns:a14="http://schemas.microsoft.com/office/drawing/2010/main" val="0"/>
+                </a:ext>
+              </a:extLst>
+            </a:blip>
+            <a:srcRect/>
+            <a:stretch>
+              <a:fillRect/>
+            </a:stretch>
+          </p:blipFill>
+          <p:spPr bwMode="auto">
+            <a:xfrm>
+              <a:off x="10526681" y="912972"/>
+              <a:ext cx="955177" cy="1049464"/>
+            </a:xfrm>
+            <a:prstGeom prst="rect">
+              <a:avLst/>
+            </a:prstGeom>
+            <a:noFill/>
+            <a:extLst>
+              <a:ext uri="{909E8E84-426E-40DD-AFC4-6F175D3DCCD1}">
+                <a14:hiddenFill xmlns:a14="http://schemas.microsoft.com/office/drawing/2010/main">
+                  <a:solidFill>
+                    <a:srgbClr val="FFFFFF"/>
+                  </a:solidFill>
+                </a14:hiddenFill>
+              </a:ext>
+            </a:extLst>
+          </p:spPr>
+        </p:pic>
+      </p:grpSp>
+    </p:spTree>
+    <p:extLst>
+      <p:ext uri="{BB962C8B-B14F-4D97-AF65-F5344CB8AC3E}">
+        <p14:creationId xmlns:p14="http://schemas.microsoft.com/office/powerpoint/2010/main" val="4288447359"/>
+      </p:ext>
+    </p:extLst>
+  </p:cSld>
+  <p:clrMapOvr>
+    <a:masterClrMapping/>
+  </p:clrMapOvr>
+</p:sld>
+</file>
+
 <file path=ppt/theme/theme1.xml><?xml version="1.0" encoding="utf-8"?>
 <a:theme xmlns:a="http://schemas.openxmlformats.org/drawingml/2006/main" name="Tema do Office">
   <a:themeElements>
